--- a/Lottó projekt.pptx
+++ b/Lottó projekt.pptx
@@ -110,6 +110,11 @@
       </a:defRPr>
     </a:lvl9pPr>
   </p:defaultTextStyle>
+  <p:extLst>
+    <p:ext uri="{EFAFB233-063F-42B5-8137-9DF3F51BA10A}">
+      <p15:sldGuideLst xmlns:p15="http://schemas.microsoft.com/office/powerpoint/2012/main"/>
+    </p:ext>
+  </p:extLst>
 </p:presentation>
 </file>
 
@@ -246,7 +251,7 @@
           <a:p>
             <a:fld id="{48A87A34-81AB-432B-8DAE-1953F412C126}" type="datetimeFigureOut">
               <a:rPr lang="en-US" smtClean="0"/>
-              <a:t>2/24/2022</a:t>
+              <a:t>2/28/2022</a:t>
             </a:fld>
             <a:endParaRPr lang="en-US" dirty="0"/>
           </a:p>
@@ -304,6 +309,9 @@
   <p:clrMapOvr>
     <a:masterClrMapping/>
   </p:clrMapOvr>
+  <p:transition>
+    <p:cut thruBlk="1"/>
+  </p:transition>
 </p:sldLayout>
 </file>
 
@@ -533,7 +541,7 @@
           <a:p>
             <a:fld id="{48A87A34-81AB-432B-8DAE-1953F412C126}" type="datetimeFigureOut">
               <a:rPr lang="en-US" smtClean="0"/>
-              <a:t>2/24/2022</a:t>
+              <a:t>2/28/2022</a:t>
             </a:fld>
             <a:endParaRPr lang="en-US" dirty="0"/>
           </a:p>
@@ -591,6 +599,9 @@
   <p:clrMapOvr>
     <a:masterClrMapping/>
   </p:clrMapOvr>
+  <p:transition>
+    <p:cut thruBlk="1"/>
+  </p:transition>
 </p:sldLayout>
 </file>
 
@@ -725,7 +736,7 @@
           <a:p>
             <a:fld id="{48A87A34-81AB-432B-8DAE-1953F412C126}" type="datetimeFigureOut">
               <a:rPr lang="en-US" smtClean="0"/>
-              <a:t>2/24/2022</a:t>
+              <a:t>2/28/2022</a:t>
             </a:fld>
             <a:endParaRPr lang="en-US" dirty="0"/>
           </a:p>
@@ -783,6 +794,9 @@
   <p:clrMapOvr>
     <a:masterClrMapping/>
   </p:clrMapOvr>
+  <p:transition>
+    <p:cut thruBlk="1"/>
+  </p:transition>
 </p:sldLayout>
 </file>
 
@@ -986,7 +1000,7 @@
           <a:p>
             <a:fld id="{48A87A34-81AB-432B-8DAE-1953F412C126}" type="datetimeFigureOut">
               <a:rPr lang="en-US" smtClean="0"/>
-              <a:t>2/24/2022</a:t>
+              <a:t>2/28/2022</a:t>
             </a:fld>
             <a:endParaRPr lang="en-US" dirty="0"/>
           </a:p>
@@ -1276,6 +1290,9 @@
   <p:clrMapOvr>
     <a:masterClrMapping/>
   </p:clrMapOvr>
+  <p:transition>
+    <p:cut thruBlk="1"/>
+  </p:transition>
 </p:sldLayout>
 </file>
 
@@ -1410,7 +1427,7 @@
           <a:p>
             <a:fld id="{48A87A34-81AB-432B-8DAE-1953F412C126}" type="datetimeFigureOut">
               <a:rPr lang="en-US" smtClean="0"/>
-              <a:t>2/24/2022</a:t>
+              <a:t>2/28/2022</a:t>
             </a:fld>
             <a:endParaRPr lang="en-US" dirty="0"/>
           </a:p>
@@ -1468,6 +1485,9 @@
   <p:clrMapOvr>
     <a:masterClrMapping/>
   </p:clrMapOvr>
+  <p:transition>
+    <p:cut thruBlk="1"/>
+  </p:transition>
 </p:sldLayout>
 </file>
 
@@ -1956,7 +1976,7 @@
           <a:p>
             <a:fld id="{48A87A34-81AB-432B-8DAE-1953F412C126}" type="datetimeFigureOut">
               <a:rPr lang="en-US" smtClean="0"/>
-              <a:t>2/24/2022</a:t>
+              <a:t>2/28/2022</a:t>
             </a:fld>
             <a:endParaRPr lang="en-US" dirty="0"/>
           </a:p>
@@ -2014,6 +2034,9 @@
   <p:clrMapOvr>
     <a:masterClrMapping/>
   </p:clrMapOvr>
+  <p:transition>
+    <p:cut thruBlk="1"/>
+  </p:transition>
 </p:sldLayout>
 </file>
 
@@ -2796,7 +2819,7 @@
           <a:p>
             <a:fld id="{48A87A34-81AB-432B-8DAE-1953F412C126}" type="datetimeFigureOut">
               <a:rPr lang="en-US" smtClean="0"/>
-              <a:t>2/24/2022</a:t>
+              <a:t>2/28/2022</a:t>
             </a:fld>
             <a:endParaRPr lang="en-US" dirty="0"/>
           </a:p>
@@ -2854,6 +2877,9 @@
   <p:clrMapOvr>
     <a:masterClrMapping/>
   </p:clrMapOvr>
+  <p:transition>
+    <p:cut thruBlk="1"/>
+  </p:transition>
 </p:sldLayout>
 </file>
 
@@ -2966,7 +2992,7 @@
           <a:p>
             <a:fld id="{48A87A34-81AB-432B-8DAE-1953F412C126}" type="datetimeFigureOut">
               <a:rPr lang="en-US" smtClean="0"/>
-              <a:t>2/24/2022</a:t>
+              <a:t>2/28/2022</a:t>
             </a:fld>
             <a:endParaRPr lang="en-US" dirty="0"/>
           </a:p>
@@ -3024,6 +3050,9 @@
   <p:clrMapOvr>
     <a:masterClrMapping/>
   </p:clrMapOvr>
+  <p:transition>
+    <p:cut thruBlk="1"/>
+  </p:transition>
 </p:sldLayout>
 </file>
 
@@ -3150,7 +3179,7 @@
           <a:p>
             <a:fld id="{48A87A34-81AB-432B-8DAE-1953F412C126}" type="datetimeFigureOut">
               <a:rPr lang="en-US" smtClean="0"/>
-              <a:t>2/24/2022</a:t>
+              <a:t>2/28/2022</a:t>
             </a:fld>
             <a:endParaRPr lang="en-US" dirty="0"/>
           </a:p>
@@ -3208,6 +3237,9 @@
   <p:clrMapOvr>
     <a:masterClrMapping/>
   </p:clrMapOvr>
+  <p:transition>
+    <p:cut thruBlk="1"/>
+  </p:transition>
 </p:sldLayout>
 </file>
 
@@ -3320,7 +3352,7 @@
           <a:p>
             <a:fld id="{48A87A34-81AB-432B-8DAE-1953F412C126}" type="datetimeFigureOut">
               <a:rPr lang="en-US" smtClean="0"/>
-              <a:t>2/24/2022</a:t>
+              <a:t>2/28/2022</a:t>
             </a:fld>
             <a:endParaRPr lang="en-US" dirty="0"/>
           </a:p>
@@ -3378,6 +3410,9 @@
   <p:clrMapOvr>
     <a:masterClrMapping/>
   </p:clrMapOvr>
+  <p:transition>
+    <p:cut thruBlk="1"/>
+  </p:transition>
 </p:sldLayout>
 </file>
 
@@ -3568,7 +3603,7 @@
           <a:p>
             <a:fld id="{48A87A34-81AB-432B-8DAE-1953F412C126}" type="datetimeFigureOut">
               <a:rPr lang="en-US" smtClean="0"/>
-              <a:t>2/24/2022</a:t>
+              <a:t>2/28/2022</a:t>
             </a:fld>
             <a:endParaRPr lang="en-US" dirty="0"/>
           </a:p>
@@ -3626,6 +3661,9 @@
   <p:clrMapOvr>
     <a:masterClrMapping/>
   </p:clrMapOvr>
+  <p:transition>
+    <p:cut thruBlk="1"/>
+  </p:transition>
 </p:sldLayout>
 </file>
 
@@ -3805,7 +3843,7 @@
           <a:p>
             <a:fld id="{48A87A34-81AB-432B-8DAE-1953F412C126}" type="datetimeFigureOut">
               <a:rPr lang="en-US" smtClean="0"/>
-              <a:t>2/24/2022</a:t>
+              <a:t>2/28/2022</a:t>
             </a:fld>
             <a:endParaRPr lang="en-US" dirty="0"/>
           </a:p>
@@ -3863,6 +3901,9 @@
   <p:clrMapOvr>
     <a:masterClrMapping/>
   </p:clrMapOvr>
+  <p:transition>
+    <p:cut thruBlk="1"/>
+  </p:transition>
 </p:sldLayout>
 </file>
 
@@ -4178,7 +4219,7 @@
           <a:p>
             <a:fld id="{48A87A34-81AB-432B-8DAE-1953F412C126}" type="datetimeFigureOut">
               <a:rPr lang="en-US" smtClean="0"/>
-              <a:t>2/24/2022</a:t>
+              <a:t>2/28/2022</a:t>
             </a:fld>
             <a:endParaRPr lang="en-US" dirty="0"/>
           </a:p>
@@ -4236,6 +4277,9 @@
   <p:clrMapOvr>
     <a:masterClrMapping/>
   </p:clrMapOvr>
+  <p:transition>
+    <p:cut thruBlk="1"/>
+  </p:transition>
 </p:sldLayout>
 </file>
 
@@ -4296,7 +4340,7 @@
           <a:p>
             <a:fld id="{48A87A34-81AB-432B-8DAE-1953F412C126}" type="datetimeFigureOut">
               <a:rPr lang="en-US" smtClean="0"/>
-              <a:t>2/24/2022</a:t>
+              <a:t>2/28/2022</a:t>
             </a:fld>
             <a:endParaRPr lang="en-US" dirty="0"/>
           </a:p>
@@ -4354,6 +4398,9 @@
   <p:clrMapOvr>
     <a:masterClrMapping/>
   </p:clrMapOvr>
+  <p:transition>
+    <p:cut thruBlk="1"/>
+  </p:transition>
 </p:sldLayout>
 </file>
 
@@ -4391,7 +4438,7 @@
           <a:p>
             <a:fld id="{48A87A34-81AB-432B-8DAE-1953F412C126}" type="datetimeFigureOut">
               <a:rPr lang="en-US" smtClean="0"/>
-              <a:t>2/24/2022</a:t>
+              <a:t>2/28/2022</a:t>
             </a:fld>
             <a:endParaRPr lang="en-US" dirty="0"/>
           </a:p>
@@ -4449,6 +4496,9 @@
   <p:clrMapOvr>
     <a:masterClrMapping/>
   </p:clrMapOvr>
+  <p:transition>
+    <p:cut thruBlk="1"/>
+  </p:transition>
 </p:sldLayout>
 </file>
 
@@ -4642,7 +4692,7 @@
           <a:p>
             <a:fld id="{48A87A34-81AB-432B-8DAE-1953F412C126}" type="datetimeFigureOut">
               <a:rPr lang="en-US" smtClean="0"/>
-              <a:t>2/24/2022</a:t>
+              <a:t>2/28/2022</a:t>
             </a:fld>
             <a:endParaRPr lang="en-US" dirty="0"/>
           </a:p>
@@ -4700,6 +4750,9 @@
   <p:clrMapOvr>
     <a:masterClrMapping/>
   </p:clrMapOvr>
+  <p:transition>
+    <p:cut thruBlk="1"/>
+  </p:transition>
 </p:sldLayout>
 </file>
 
@@ -4929,7 +4982,7 @@
           <a:p>
             <a:fld id="{48A87A34-81AB-432B-8DAE-1953F412C126}" type="datetimeFigureOut">
               <a:rPr lang="en-US" smtClean="0"/>
-              <a:t>2/24/2022</a:t>
+              <a:t>2/28/2022</a:t>
             </a:fld>
             <a:endParaRPr lang="en-US" dirty="0"/>
           </a:p>
@@ -4987,6 +5040,9 @@
   <p:clrMapOvr>
     <a:masterClrMapping/>
   </p:clrMapOvr>
+  <p:transition>
+    <p:cut thruBlk="1"/>
+  </p:transition>
 </p:sldLayout>
 </file>
 
@@ -5143,7 +5199,7 @@
             <a:fld id="{48A87A34-81AB-432B-8DAE-1953F412C126}" type="datetimeFigureOut">
               <a:rPr lang="en-US" smtClean="0"/>
               <a:pPr/>
-              <a:t>2/24/2022</a:t>
+              <a:t>2/28/2022</a:t>
             </a:fld>
             <a:endParaRPr lang="en-US" dirty="0"/>
           </a:p>
@@ -5255,6 +5311,9 @@
     <p:sldLayoutId id="2147483685" r:id="rId16"/>
     <p:sldLayoutId id="2147483686" r:id="rId17"/>
   </p:sldLayoutIdLst>
+  <p:transition>
+    <p:cut thruBlk="1"/>
+  </p:transition>
   <p:txStyles>
     <p:titleStyle>
       <a:lvl1pPr algn="ctr" defTabSz="914400" rtl="0" eaLnBrk="1" latinLnBrk="0" hangingPunct="1">
@@ -5681,6 +5740,16 @@
   <p:clrMapOvr>
     <a:masterClrMapping/>
   </p:clrMapOvr>
+  <p:transition>
+    <p:cut thruBlk="1"/>
+  </p:transition>
+  <p:timing>
+    <p:tnLst>
+      <p:par>
+        <p:cTn id="1" dur="indefinite" restart="never" nodeType="tmRoot"/>
+      </p:par>
+    </p:tnLst>
+  </p:timing>
 </p:sld>
 </file>
 
@@ -5761,6 +5830,16 @@
   <p:clrMapOvr>
     <a:masterClrMapping/>
   </p:clrMapOvr>
+  <p:transition>
+    <p:cut thruBlk="1"/>
+  </p:transition>
+  <p:timing>
+    <p:tnLst>
+      <p:par>
+        <p:cTn id="1" dur="indefinite" restart="never" nodeType="tmRoot"/>
+      </p:par>
+    </p:tnLst>
+  </p:timing>
 </p:sld>
 </file>
 
@@ -5836,7 +5915,6 @@
               <a:rPr lang="hu-HU" dirty="0"/>
               <a:t>Dóczi Milán: HTML, CSS, JavaScript</a:t>
             </a:r>
-            <a:endParaRPr lang="hu-HU" dirty="0"/>
           </a:p>
         </p:txBody>
       </p:sp>
@@ -5850,6 +5928,16 @@
   <p:clrMapOvr>
     <a:masterClrMapping/>
   </p:clrMapOvr>
+  <p:transition>
+    <p:cut thruBlk="1"/>
+  </p:transition>
+  <p:timing>
+    <p:tnLst>
+      <p:par>
+        <p:cTn id="1" dur="indefinite" restart="never" nodeType="tmRoot"/>
+      </p:par>
+    </p:tnLst>
+  </p:timing>
 </p:sld>
 </file>
 
@@ -5930,6 +6018,16 @@
   <p:clrMapOvr>
     <a:masterClrMapping/>
   </p:clrMapOvr>
+  <p:transition>
+    <p:cut thruBlk="1"/>
+  </p:transition>
+  <p:timing>
+    <p:tnLst>
+      <p:par>
+        <p:cTn id="1" dur="indefinite" restart="never" nodeType="tmRoot"/>
+      </p:par>
+    </p:tnLst>
+  </p:timing>
 </p:sld>
 </file>
 
@@ -6034,6 +6132,16 @@
   <p:clrMapOvr>
     <a:masterClrMapping/>
   </p:clrMapOvr>
+  <p:transition>
+    <p:cut thruBlk="1"/>
+  </p:transition>
+  <p:timing>
+    <p:tnLst>
+      <p:par>
+        <p:cTn id="1" dur="indefinite" restart="never" nodeType="tmRoot"/>
+      </p:par>
+    </p:tnLst>
+  </p:timing>
 </p:sld>
 </file>
 
@@ -6125,6 +6233,16 @@
   <p:clrMapOvr>
     <a:masterClrMapping/>
   </p:clrMapOvr>
+  <p:transition>
+    <p:cut thruBlk="1"/>
+  </p:transition>
+  <p:timing>
+    <p:tnLst>
+      <p:par>
+        <p:cTn id="1" dur="indefinite" restart="never" nodeType="tmRoot"/>
+      </p:par>
+    </p:tnLst>
+  </p:timing>
 </p:sld>
 </file>
 
@@ -6202,6 +6320,16 @@
   <p:clrMapOvr>
     <a:masterClrMapping/>
   </p:clrMapOvr>
+  <p:transition>
+    <p:cut thruBlk="1"/>
+  </p:transition>
+  <p:timing>
+    <p:tnLst>
+      <p:par>
+        <p:cTn id="1" dur="indefinite" restart="never" nodeType="tmRoot"/>
+      </p:par>
+    </p:tnLst>
+  </p:timing>
 </p:sld>
 </file>
 
